--- a/BE_Lesson/Lesson-8.pptx
+++ b/BE_Lesson/Lesson-8.pptx
@@ -1667,7 +1667,7 @@
               </a:spcBef>
             </a:pPr>
             <a:r>
-              <a:rPr lang="en-US" altLang="" sz="3000" b="1" i="1" spc="-229" dirty="0">
+              <a:rPr lang="en-US" altLang="en-US" sz="3000" b="1" i="1" spc="-229" dirty="0">
                 <a:solidFill>
                   <a:srgbClr val="333333"/>
                 </a:solidFill>
@@ -1676,7 +1676,7 @@
               </a:rPr>
               <a:t>Table View</a:t>
             </a:r>
-            <a:endParaRPr lang="en-US" altLang="" sz="3000">
+            <a:endParaRPr lang="en-US" altLang="en-US" sz="3000">
               <a:latin typeface="Liberation Sans Narrow"/>
               <a:cs typeface="Liberation Sans Narrow"/>
             </a:endParaRPr>
@@ -1775,7 +1775,7 @@
               </a:spcBef>
             </a:pPr>
             <a:r>
-              <a:rPr lang="en-US" altLang="" sz="3000" b="1" i="1" dirty="0">
+              <a:rPr lang="en-US" altLang="en-US" sz="3000" b="1" i="1" dirty="0">
                 <a:solidFill>
                   <a:srgbClr val="333333"/>
                 </a:solidFill>
@@ -1784,7 +1784,7 @@
               </a:rPr>
               <a:t>Export File Excel with module report_xlsx</a:t>
             </a:r>
-            <a:endParaRPr lang="en-US" altLang="" sz="3000" b="1" i="1" dirty="0">
+            <a:endParaRPr lang="en-US" altLang="en-US" sz="3000" b="1" i="1" dirty="0">
               <a:solidFill>
                 <a:srgbClr val="333333"/>
               </a:solidFill>
@@ -2225,21 +2225,21 @@
               </a:spcBef>
             </a:pPr>
             <a:r>
-              <a:rPr lang="en-US" altLang="" sz="2000" b="1">
+              <a:rPr lang="en-US" altLang="en-US" sz="2000" b="1">
                 <a:latin typeface="Arial Bold" panose="020B0604020202090204" charset="0"/>
                 <a:cs typeface="Arial Bold" panose="020B0604020202090204" charset="0"/>
               </a:rPr>
               <a:t>Link:</a:t>
             </a:r>
             <a:r>
-              <a:rPr lang="en-US" altLang="" sz="2000">
+              <a:rPr lang="en-US" altLang="en-US" sz="2000">
                 <a:latin typeface="Arial" panose="020B0604020202090204"/>
                 <a:cs typeface="Arial" panose="020B0604020202090204"/>
               </a:rPr>
               <a:t> </a:t>
             </a:r>
             <a:r>
-              <a:rPr lang="en-US" altLang="" sz="2000" i="1" u="sng">
+              <a:rPr lang="en-US" altLang="en-US" sz="2000" i="1" u="sng">
                 <a:solidFill>
                   <a:srgbClr val="0070C0"/>
                 </a:solidFill>
@@ -2248,7 +2248,7 @@
               </a:rPr>
               <a:t>https://www.cybrosys.com/blog/how-to-create-sql-view-odoo</a:t>
             </a:r>
-            <a:endParaRPr lang="en-US" altLang="" sz="2000" i="1" u="sng">
+            <a:endParaRPr lang="en-US" altLang="en-US" sz="2000" i="1" u="sng">
               <a:solidFill>
                 <a:srgbClr val="0070C0"/>
               </a:solidFill>
@@ -3294,13 +3294,13 @@
               </a:spcBef>
             </a:pPr>
             <a:r>
-              <a:rPr lang="en-US" altLang="" sz="1400" b="1" spc="-10" dirty="0">
+              <a:rPr lang="en-US" altLang="en-US" sz="1400" b="1" spc="-10" dirty="0">
                 <a:latin typeface="Arial Bold" panose="020B0604020202090204" charset="0"/>
                 <a:cs typeface="Arial Bold" panose="020B0604020202090204" charset="0"/>
               </a:rPr>
               <a:t>Table View</a:t>
             </a:r>
-            <a:endParaRPr lang="en-US" altLang="" sz="1400" b="1" spc="-10" dirty="0">
+            <a:endParaRPr lang="en-US" altLang="en-US" sz="1400" b="1" spc="-10" dirty="0">
               <a:latin typeface="Arial Bold" panose="020B0604020202090204" charset="0"/>
               <a:cs typeface="Arial Bold" panose="020B0604020202090204" charset="0"/>
             </a:endParaRPr>
@@ -3351,7 +3351,7 @@
       <p:sp>
         <p:nvSpPr>
           <p:cNvPr id="14" name="object 14">
-            <a:hlinkClick r:id="rId2" tooltip="" action="ppaction://hlinkfile"/>
+            <a:hlinkClick r:id="rId2" action="ppaction://hlinkfile"/>
           </p:cNvPr>
           <p:cNvSpPr/>
           <p:nvPr/>
@@ -3485,7 +3485,7 @@
                 </a:solidFill>
                 <a:latin typeface="Arial" panose="020B0604020202090204"/>
                 <a:cs typeface="Arial" panose="020B0604020202090204"/>
-                <a:hlinkClick r:id="rId2" tooltip="" action="ppaction://hlinkfile"/>
+                <a:hlinkClick r:id="rId2" action="ppaction://hlinkfile"/>
               </a:rPr>
               <a:t>CLICK</a:t>
             </a:r>
@@ -3496,7 +3496,7 @@
                 </a:solidFill>
                 <a:latin typeface="Arial" panose="020B0604020202090204"/>
                 <a:cs typeface="Arial" panose="020B0604020202090204"/>
-                <a:hlinkClick r:id="rId2" tooltip="" action="ppaction://hlinkfile"/>
+                <a:hlinkClick r:id="rId2" action="ppaction://hlinkfile"/>
               </a:rPr>
               <a:t> </a:t>
             </a:r>
@@ -3507,7 +3507,7 @@
                 </a:solidFill>
                 <a:latin typeface="Arial" panose="020B0604020202090204"/>
                 <a:cs typeface="Arial" panose="020B0604020202090204"/>
-                <a:hlinkClick r:id="rId2" tooltip="" action="ppaction://hlinkfile"/>
+                <a:hlinkClick r:id="rId2" action="ppaction://hlinkfile"/>
               </a:rPr>
               <a:t>HERE</a:t>
             </a:r>
@@ -3551,7 +3551,7 @@
         </p:nvSpPr>
         <p:spPr>
           <a:xfrm>
-            <a:off x="3009900" y="2404745"/>
+            <a:off x="2974340" y="1149985"/>
             <a:ext cx="5422900" cy="669290"/>
           </a:xfrm>
           <a:prstGeom prst="rect">
@@ -3901,7 +3901,7 @@
               </a:spcBef>
             </a:pPr>
             <a:r>
-              <a:rPr lang="vi-VN" altLang="" sz="1400" spc="-10" dirty="0">
+              <a:rPr lang="vi-VN" altLang="en-US" sz="1400" spc="-10" dirty="0">
                 <a:latin typeface="Arial" panose="020B0604020202090204"/>
                 <a:cs typeface="Arial" panose="020B0604020202090204"/>
               </a:rPr>
@@ -3929,13 +3929,13 @@
               </a:spcBef>
             </a:pPr>
             <a:r>
-              <a:rPr lang="en-US" altLang="" sz="1400" b="1" spc="-10" dirty="0">
+              <a:rPr lang="en-US" altLang="en-US" sz="1400" b="1" spc="-10" dirty="0">
                 <a:latin typeface="Arial Bold" panose="020B0604020202090204" charset="0"/>
                 <a:cs typeface="Arial Bold" panose="020B0604020202090204" charset="0"/>
               </a:rPr>
               <a:t>Export Excel</a:t>
             </a:r>
-            <a:endParaRPr lang="en-US" altLang="" sz="1400" b="1" spc="-10" dirty="0">
+            <a:endParaRPr lang="en-US" altLang="en-US" sz="1400" b="1" spc="-10" dirty="0">
               <a:latin typeface="Arial Bold" panose="020B0604020202090204" charset="0"/>
               <a:cs typeface="Arial Bold" panose="020B0604020202090204" charset="0"/>
             </a:endParaRPr>
@@ -3985,7 +3985,7 @@
       </p:sp>
       <p:pic>
         <p:nvPicPr>
-          <p:cNvPr id="16" name="Picture 15" descr="Screen Shot 2024-11-11 at 6.19.12 AM"/>
+          <p:cNvPr id="5" name="Picture 4" descr="Screen Shot 2024-11-11 at 9.53.51 AM"/>
           <p:cNvPicPr>
             <a:picLocks noChangeAspect="1"/>
           </p:cNvPicPr>
@@ -3999,8 +3999,32 @@
         </p:blipFill>
         <p:spPr>
           <a:xfrm>
-            <a:off x="182245" y="3161030"/>
-            <a:ext cx="8788400" cy="1215390"/>
+            <a:off x="603250" y="3237865"/>
+            <a:ext cx="8249285" cy="1779270"/>
+          </a:xfrm>
+          <a:prstGeom prst="rect">
+            <a:avLst/>
+          </a:prstGeom>
+        </p:spPr>
+      </p:pic>
+      <p:pic>
+        <p:nvPicPr>
+          <p:cNvPr id="6" name="Picture 5" descr="Screen Shot 2024-11-11 at 9.52.08 AM"/>
+          <p:cNvPicPr>
+            <a:picLocks noChangeAspect="1"/>
+          </p:cNvPicPr>
+          <p:nvPr/>
+        </p:nvPicPr>
+        <p:blipFill>
+          <a:blip r:embed="rId3"/>
+          <a:stretch>
+            <a:fillRect/>
+          </a:stretch>
+        </p:blipFill>
+        <p:spPr>
+          <a:xfrm>
+            <a:off x="4842510" y="1652270"/>
+            <a:ext cx="4066540" cy="1603375"/>
           </a:xfrm>
           <a:prstGeom prst="rect">
             <a:avLst/>
